--- a/presentations/final figures.pptx
+++ b/presentations/final figures.pptx
@@ -7,17 +7,19 @@
   <p:sldIdLst>
     <p:sldId id="256" r:id="rId2"/>
     <p:sldId id="258" r:id="rId3"/>
-    <p:sldId id="260" r:id="rId4"/>
-    <p:sldId id="259" r:id="rId5"/>
-    <p:sldId id="257" r:id="rId6"/>
-    <p:sldId id="261" r:id="rId7"/>
-    <p:sldId id="262" r:id="rId8"/>
-    <p:sldId id="263" r:id="rId9"/>
-    <p:sldId id="264" r:id="rId10"/>
-    <p:sldId id="265" r:id="rId11"/>
-    <p:sldId id="266" r:id="rId12"/>
-    <p:sldId id="267" r:id="rId13"/>
-    <p:sldId id="268" r:id="rId14"/>
+    <p:sldId id="269" r:id="rId4"/>
+    <p:sldId id="260" r:id="rId5"/>
+    <p:sldId id="259" r:id="rId6"/>
+    <p:sldId id="257" r:id="rId7"/>
+    <p:sldId id="270" r:id="rId8"/>
+    <p:sldId id="261" r:id="rId9"/>
+    <p:sldId id="262" r:id="rId10"/>
+    <p:sldId id="263" r:id="rId11"/>
+    <p:sldId id="264" r:id="rId12"/>
+    <p:sldId id="265" r:id="rId13"/>
+    <p:sldId id="266" r:id="rId14"/>
+    <p:sldId id="267" r:id="rId15"/>
+    <p:sldId id="268" r:id="rId16"/>
   </p:sldIdLst>
   <p:sldSz cx="12192000" cy="6858000"/>
   <p:notesSz cx="6858000" cy="9144000"/>
@@ -116,6 +118,11 @@
       </a:defRPr>
     </a:lvl9pPr>
   </p:defaultTextStyle>
+  <p:extLst>
+    <p:ext uri="{EFAFB233-063F-42B5-8137-9DF3F51BA10A}">
+      <p15:sldGuideLst xmlns:p15="http://schemas.microsoft.com/office/powerpoint/2012/main"/>
+    </p:ext>
+  </p:extLst>
 </p:presentation>
 </file>
 
@@ -266,7 +273,7 @@
           <a:p>
             <a:fld id="{1046B16D-4C72-6344-A28A-BA1FF60E9534}" type="datetimeFigureOut">
               <a:rPr lang="en-US" smtClean="0"/>
-              <a:t>7/24/23</a:t>
+              <a:t>8/24/23</a:t>
             </a:fld>
             <a:endParaRPr lang="en-US"/>
           </a:p>
@@ -464,7 +471,7 @@
           <a:p>
             <a:fld id="{1046B16D-4C72-6344-A28A-BA1FF60E9534}" type="datetimeFigureOut">
               <a:rPr lang="en-US" smtClean="0"/>
-              <a:t>7/24/23</a:t>
+              <a:t>8/24/23</a:t>
             </a:fld>
             <a:endParaRPr lang="en-US"/>
           </a:p>
@@ -672,7 +679,7 @@
           <a:p>
             <a:fld id="{1046B16D-4C72-6344-A28A-BA1FF60E9534}" type="datetimeFigureOut">
               <a:rPr lang="en-US" smtClean="0"/>
-              <a:t>7/24/23</a:t>
+              <a:t>8/24/23</a:t>
             </a:fld>
             <a:endParaRPr lang="en-US"/>
           </a:p>
@@ -870,7 +877,7 @@
           <a:p>
             <a:fld id="{1046B16D-4C72-6344-A28A-BA1FF60E9534}" type="datetimeFigureOut">
               <a:rPr lang="en-US" smtClean="0"/>
-              <a:t>7/24/23</a:t>
+              <a:t>8/24/23</a:t>
             </a:fld>
             <a:endParaRPr lang="en-US"/>
           </a:p>
@@ -1145,7 +1152,7 @@
           <a:p>
             <a:fld id="{1046B16D-4C72-6344-A28A-BA1FF60E9534}" type="datetimeFigureOut">
               <a:rPr lang="en-US" smtClean="0"/>
-              <a:t>7/24/23</a:t>
+              <a:t>8/24/23</a:t>
             </a:fld>
             <a:endParaRPr lang="en-US"/>
           </a:p>
@@ -1410,7 +1417,7 @@
           <a:p>
             <a:fld id="{1046B16D-4C72-6344-A28A-BA1FF60E9534}" type="datetimeFigureOut">
               <a:rPr lang="en-US" smtClean="0"/>
-              <a:t>7/24/23</a:t>
+              <a:t>8/24/23</a:t>
             </a:fld>
             <a:endParaRPr lang="en-US"/>
           </a:p>
@@ -1822,7 +1829,7 @@
           <a:p>
             <a:fld id="{1046B16D-4C72-6344-A28A-BA1FF60E9534}" type="datetimeFigureOut">
               <a:rPr lang="en-US" smtClean="0"/>
-              <a:t>7/24/23</a:t>
+              <a:t>8/24/23</a:t>
             </a:fld>
             <a:endParaRPr lang="en-US"/>
           </a:p>
@@ -1963,7 +1970,7 @@
           <a:p>
             <a:fld id="{1046B16D-4C72-6344-A28A-BA1FF60E9534}" type="datetimeFigureOut">
               <a:rPr lang="en-US" smtClean="0"/>
-              <a:t>7/24/23</a:t>
+              <a:t>8/24/23</a:t>
             </a:fld>
             <a:endParaRPr lang="en-US"/>
           </a:p>
@@ -2076,7 +2083,7 @@
           <a:p>
             <a:fld id="{1046B16D-4C72-6344-A28A-BA1FF60E9534}" type="datetimeFigureOut">
               <a:rPr lang="en-US" smtClean="0"/>
-              <a:t>7/24/23</a:t>
+              <a:t>8/24/23</a:t>
             </a:fld>
             <a:endParaRPr lang="en-US"/>
           </a:p>
@@ -2387,7 +2394,7 @@
           <a:p>
             <a:fld id="{1046B16D-4C72-6344-A28A-BA1FF60E9534}" type="datetimeFigureOut">
               <a:rPr lang="en-US" smtClean="0"/>
-              <a:t>7/24/23</a:t>
+              <a:t>8/24/23</a:t>
             </a:fld>
             <a:endParaRPr lang="en-US"/>
           </a:p>
@@ -2675,7 +2682,7 @@
           <a:p>
             <a:fld id="{1046B16D-4C72-6344-A28A-BA1FF60E9534}" type="datetimeFigureOut">
               <a:rPr lang="en-US" smtClean="0"/>
-              <a:t>7/24/23</a:t>
+              <a:t>8/24/23</a:t>
             </a:fld>
             <a:endParaRPr lang="en-US"/>
           </a:p>
@@ -2916,7 +2923,7 @@
           <a:p>
             <a:fld id="{1046B16D-4C72-6344-A28A-BA1FF60E9534}" type="datetimeFigureOut">
               <a:rPr lang="en-US" smtClean="0"/>
-              <a:t>7/24/23</a:t>
+              <a:t>8/24/23</a:t>
             </a:fld>
             <a:endParaRPr lang="en-US"/>
           </a:p>
@@ -3431,18 +3438,18 @@
       </p:grpSpPr>
       <p:sp>
         <p:nvSpPr>
-          <p:cNvPr id="2" name="Title 1">
-            <a:extLst>
-              <a:ext uri="{FF2B5EF4-FFF2-40B4-BE49-F238E27FC236}">
-                <a16:creationId xmlns:a16="http://schemas.microsoft.com/office/drawing/2014/main" id="{74623C4D-5B53-9EB7-8F66-E5AC52A32B98}"/>
-              </a:ext>
-            </a:extLst>
-          </p:cNvPr>
-          <p:cNvSpPr>
-            <a:spLocks noGrp="1"/>
-          </p:cNvSpPr>
-          <p:nvPr>
-            <p:ph type="title"/>
+          <p:cNvPr id="3" name="Content Placeholder 2">
+            <a:extLst>
+              <a:ext uri="{FF2B5EF4-FFF2-40B4-BE49-F238E27FC236}">
+                <a16:creationId xmlns:a16="http://schemas.microsoft.com/office/drawing/2014/main" id="{BE447F22-8C91-8FE5-B4C4-236D82DAA10E}"/>
+              </a:ext>
+            </a:extLst>
+          </p:cNvPr>
+          <p:cNvSpPr>
+            <a:spLocks noGrp="1"/>
+          </p:cNvSpPr>
+          <p:nvPr>
+            <p:ph idx="1"/>
           </p:nvPr>
         </p:nvSpPr>
         <p:spPr/>
@@ -3450,31 +3457,23 @@
           <a:bodyPr/>
           <a:lstStyle/>
           <a:p>
-            <a:r>
-              <a:rPr lang="en-US" sz="4400" b="0" i="0" dirty="0">
-                <a:effectLst/>
-              </a:rPr>
-              <a:t>Ericameria K</a:t>
-            </a:r>
-            <a:endParaRPr lang="en-US" dirty="0"/>
+            <a:endParaRPr lang="en-US"/>
           </a:p>
         </p:txBody>
       </p:sp>
       <p:pic>
         <p:nvPicPr>
-          <p:cNvPr id="5" name="Content Placeholder 4">
-            <a:extLst>
-              <a:ext uri="{FF2B5EF4-FFF2-40B4-BE49-F238E27FC236}">
-                <a16:creationId xmlns:a16="http://schemas.microsoft.com/office/drawing/2014/main" id="{EBE0C751-B43B-9EA3-0174-521D2C2C35E0}"/>
+          <p:cNvPr id="5" name="Picture 4">
+            <a:extLst>
+              <a:ext uri="{FF2B5EF4-FFF2-40B4-BE49-F238E27FC236}">
+                <a16:creationId xmlns:a16="http://schemas.microsoft.com/office/drawing/2014/main" id="{5FA026C9-4C9D-61BD-171F-3CF1B2F19D49}"/>
               </a:ext>
             </a:extLst>
           </p:cNvPr>
           <p:cNvPicPr>
-            <a:picLocks noGrp="1" noChangeAspect="1"/>
+            <a:picLocks noChangeAspect="1"/>
           </p:cNvPicPr>
-          <p:nvPr>
-            <p:ph idx="1"/>
-          </p:nvPr>
+          <p:nvPr/>
         </p:nvPicPr>
         <p:blipFill>
           <a:blip r:embed="rId2"/>
@@ -3484,17 +3483,20 @@
         </p:blipFill>
         <p:spPr>
           <a:xfrm>
-            <a:off x="4786051" y="744094"/>
-            <a:ext cx="7374807" cy="5369812"/>
-          </a:xfrm>
+            <a:off x="61785" y="1227591"/>
+            <a:ext cx="5943600" cy="5563128"/>
+          </a:xfrm>
+          <a:prstGeom prst="rect">
+            <a:avLst/>
+          </a:prstGeom>
         </p:spPr>
       </p:pic>
       <p:pic>
         <p:nvPicPr>
-          <p:cNvPr id="7" name="Picture 6">
-            <a:extLst>
-              <a:ext uri="{FF2B5EF4-FFF2-40B4-BE49-F238E27FC236}">
-                <a16:creationId xmlns:a16="http://schemas.microsoft.com/office/drawing/2014/main" id="{C80FDC0C-43EB-E701-7C32-649EEA0534A4}"/>
+          <p:cNvPr id="6" name="Picture 5">
+            <a:extLst>
+              <a:ext uri="{FF2B5EF4-FFF2-40B4-BE49-F238E27FC236}">
+                <a16:creationId xmlns:a16="http://schemas.microsoft.com/office/drawing/2014/main" id="{76A18C09-74C6-FC7D-6933-AD03B5561067}"/>
               </a:ext>
             </a:extLst>
           </p:cNvPr>
@@ -3511,18 +3513,72 @@
         </p:blipFill>
         <p:spPr>
           <a:xfrm>
-            <a:off x="31142" y="1630426"/>
-            <a:ext cx="4940261" cy="3597148"/>
+            <a:off x="6157785" y="1227591"/>
+            <a:ext cx="5943600" cy="5563128"/>
           </a:xfrm>
           <a:prstGeom prst="rect">
             <a:avLst/>
           </a:prstGeom>
         </p:spPr>
       </p:pic>
+      <p:sp>
+        <p:nvSpPr>
+          <p:cNvPr id="7" name="Title 1">
+            <a:extLst>
+              <a:ext uri="{FF2B5EF4-FFF2-40B4-BE49-F238E27FC236}">
+                <a16:creationId xmlns:a16="http://schemas.microsoft.com/office/drawing/2014/main" id="{E9DA52DC-94A8-7CCE-774A-7AF28FBD588A}"/>
+              </a:ext>
+            </a:extLst>
+          </p:cNvPr>
+          <p:cNvSpPr txBox="1">
+            <a:spLocks/>
+          </p:cNvSpPr>
+          <p:nvPr/>
+        </p:nvSpPr>
+        <p:spPr>
+          <a:xfrm>
+            <a:off x="706821" y="203271"/>
+            <a:ext cx="10515600" cy="1325563"/>
+          </a:xfrm>
+          <a:prstGeom prst="rect">
+            <a:avLst/>
+          </a:prstGeom>
+        </p:spPr>
+        <p:txBody>
+          <a:bodyPr vert="horz" lIns="91440" tIns="45720" rIns="91440" bIns="45720" rtlCol="0" anchor="ctr">
+            <a:normAutofit/>
+          </a:bodyPr>
+          <a:lstStyle>
+            <a:lvl1pPr algn="l" defTabSz="914400" rtl="0" eaLnBrk="1" latinLnBrk="0" hangingPunct="1">
+              <a:lnSpc>
+                <a:spcPct val="90000"/>
+              </a:lnSpc>
+              <a:spcBef>
+                <a:spcPct val="0"/>
+              </a:spcBef>
+              <a:buNone/>
+              <a:defRPr sz="4400" kern="1200">
+                <a:solidFill>
+                  <a:schemeClr val="tx1"/>
+                </a:solidFill>
+                <a:latin typeface="+mj-lt"/>
+                <a:ea typeface="+mj-ea"/>
+                <a:cs typeface="+mj-cs"/>
+              </a:defRPr>
+            </a:lvl1pPr>
+          </a:lstStyle>
+          <a:p>
+            <a:r>
+              <a:rPr lang="en-US" dirty="0"/>
+              <a:t>Aciurina K</a:t>
+            </a:r>
+          </a:p>
+        </p:txBody>
+      </p:sp>
     </p:spTree>
     <p:extLst>
       <p:ext uri="{BB962C8B-B14F-4D97-AF65-F5344CB8AC3E}">
-        <p14:creationId xmlns:p14="http://schemas.microsoft.com/office/powerpoint/2010/main" val="4216156854"/>
+        <p14:creationId xmlns:p14="http://schemas.microsoft.com/office/powerpoint/2010/main" val="1782707582"/>
       </p:ext>
     </p:extLst>
   </p:cSld>
@@ -3535,14 +3591,6 @@
 <file path=ppt/slides/slide11.xml><?xml version="1.0" encoding="utf-8"?>
 <p:sld xmlns:a="http://schemas.openxmlformats.org/drawingml/2006/main" xmlns:r="http://schemas.openxmlformats.org/officeDocument/2006/relationships" xmlns:p="http://schemas.openxmlformats.org/presentationml/2006/main">
   <p:cSld>
-    <p:bg>
-      <p:bgPr>
-        <a:solidFill>
-          <a:schemeClr val="bg1"/>
-        </a:solidFill>
-        <a:effectLst/>
-      </p:bgPr>
-    </p:bg>
     <p:spTree>
       <p:nvGrpSpPr>
         <p:cNvPr id="1" name=""/>
@@ -3557,114 +3605,44 @@
           <a:chExt cx="0" cy="0"/>
         </a:xfrm>
       </p:grpSpPr>
-      <p:sp useBgFill="1">
-        <p:nvSpPr>
-          <p:cNvPr id="12" name="Rectangle 11">
-            <a:extLst>
-              <a:ext uri="{FF2B5EF4-FFF2-40B4-BE49-F238E27FC236}">
-                <a16:creationId xmlns:a16="http://schemas.microsoft.com/office/drawing/2014/main" id="{99ED5833-B85B-4103-8A3B-CAB0308E6C15}"/>
-              </a:ext>
-              <a:ext uri="{C183D7F6-B498-43B3-948B-1728B52AA6E4}">
-                <adec:decorative xmlns:adec="http://schemas.microsoft.com/office/drawing/2017/decorative" val="1"/>
-              </a:ext>
-            </a:extLst>
-          </p:cNvPr>
-          <p:cNvSpPr>
-            <a:spLocks noGrp="1" noRot="1" noChangeAspect="1" noMove="1" noResize="1" noEditPoints="1" noAdjustHandles="1" noChangeArrowheads="1" noChangeShapeType="1" noTextEdit="1"/>
-          </p:cNvSpPr>
-          <p:nvPr>
-            <p:extLst>
-              <p:ext uri="{386F3935-93C4-4BCD-93E2-E3B085C9AB24}">
-                <p16:designElem xmlns:p16="http://schemas.microsoft.com/office/powerpoint/2015/main" val="1"/>
-              </p:ext>
-            </p:extLst>
-          </p:nvPr>
-        </p:nvSpPr>
-        <p:spPr>
-          <a:xfrm>
-            <a:off x="-1" y="0"/>
-            <a:ext cx="12188952" cy="6858000"/>
-          </a:xfrm>
-          <a:prstGeom prst="rect">
-            <a:avLst/>
-          </a:prstGeom>
-          <a:ln>
-            <a:noFill/>
-          </a:ln>
-        </p:spPr>
-        <p:style>
-          <a:lnRef idx="2">
-            <a:schemeClr val="accent1">
-              <a:shade val="50000"/>
-            </a:schemeClr>
-          </a:lnRef>
-          <a:fillRef idx="1">
-            <a:schemeClr val="accent1"/>
-          </a:fillRef>
-          <a:effectRef idx="0">
-            <a:schemeClr val="accent1"/>
-          </a:effectRef>
-          <a:fontRef idx="minor">
-            <a:schemeClr val="lt1"/>
-          </a:fontRef>
-        </p:style>
-        <p:txBody>
-          <a:bodyPr rtlCol="0" anchor="ctr"/>
-          <a:lstStyle/>
-          <a:p>
-            <a:pPr algn="ctr"/>
+      <p:sp>
+        <p:nvSpPr>
+          <p:cNvPr id="3" name="Content Placeholder 2">
+            <a:extLst>
+              <a:ext uri="{FF2B5EF4-FFF2-40B4-BE49-F238E27FC236}">
+                <a16:creationId xmlns:a16="http://schemas.microsoft.com/office/drawing/2014/main" id="{B2B6BD9B-3E93-C163-4754-023364ECF8CD}"/>
+              </a:ext>
+            </a:extLst>
+          </p:cNvPr>
+          <p:cNvSpPr>
+            <a:spLocks noGrp="1"/>
+          </p:cNvSpPr>
+          <p:nvPr>
+            <p:ph idx="1"/>
+          </p:nvPr>
+        </p:nvSpPr>
+        <p:spPr/>
+        <p:txBody>
+          <a:bodyPr/>
+          <a:lstStyle/>
+          <a:p>
             <a:endParaRPr lang="en-US"/>
-          </a:p>
-        </p:txBody>
-      </p:sp>
-      <p:sp>
-        <p:nvSpPr>
-          <p:cNvPr id="2" name="Title 1">
-            <a:extLst>
-              <a:ext uri="{FF2B5EF4-FFF2-40B4-BE49-F238E27FC236}">
-                <a16:creationId xmlns:a16="http://schemas.microsoft.com/office/drawing/2014/main" id="{2D790C2F-6455-40A7-5D74-59501A29F26C}"/>
-              </a:ext>
-            </a:extLst>
-          </p:cNvPr>
-          <p:cNvSpPr>
-            <a:spLocks noGrp="1"/>
-          </p:cNvSpPr>
-          <p:nvPr>
-            <p:ph type="title"/>
-          </p:nvPr>
-        </p:nvSpPr>
-        <p:spPr>
-          <a:xfrm>
-            <a:off x="1198181" y="560881"/>
-            <a:ext cx="9795638" cy="1114380"/>
-          </a:xfrm>
-        </p:spPr>
-        <p:txBody>
-          <a:bodyPr vert="horz" lIns="91440" tIns="45720" rIns="91440" bIns="45720" rtlCol="0" anchor="b">
-            <a:normAutofit/>
-          </a:bodyPr>
-          <a:lstStyle/>
-          <a:p>
-            <a:pPr algn="ctr"/>
-            <a:endParaRPr lang="en-US" sz="5200"/>
           </a:p>
         </p:txBody>
       </p:sp>
       <p:pic>
         <p:nvPicPr>
-          <p:cNvPr id="5" name="Content Placeholder 4">
-            <a:extLst>
-              <a:ext uri="{FF2B5EF4-FFF2-40B4-BE49-F238E27FC236}">
-                <a16:creationId xmlns:a16="http://schemas.microsoft.com/office/drawing/2014/main" id="{FA593E34-85FD-6B2A-543E-FF814E552C65}"/>
+          <p:cNvPr id="4" name="Picture 3">
+            <a:extLst>
+              <a:ext uri="{FF2B5EF4-FFF2-40B4-BE49-F238E27FC236}">
+                <a16:creationId xmlns:a16="http://schemas.microsoft.com/office/drawing/2014/main" id="{B3E11489-83A0-168C-90BB-D9A4980B6311}"/>
               </a:ext>
             </a:extLst>
           </p:cNvPr>
           <p:cNvPicPr>
-            <a:picLocks noGrp="1" noChangeAspect="1"/>
+            <a:picLocks noChangeAspect="1"/>
           </p:cNvPicPr>
-          <p:nvPr>
-            <p:ph idx="1"/>
-          </p:nvPr>
+          <p:nvPr/>
         </p:nvPicPr>
         <p:blipFill>
           <a:blip r:embed="rId2"/>
@@ -3674,8 +3652,8 @@
         </p:blipFill>
         <p:spPr>
           <a:xfrm>
-            <a:off x="228777" y="1675261"/>
-            <a:ext cx="5958903" cy="4336372"/>
+            <a:off x="6121276" y="1134150"/>
+            <a:ext cx="6121274" cy="5729429"/>
           </a:xfrm>
           <a:prstGeom prst="rect">
             <a:avLst/>
@@ -3684,10 +3662,10 @@
       </p:pic>
       <p:pic>
         <p:nvPicPr>
-          <p:cNvPr id="7" name="Picture 6">
-            <a:extLst>
-              <a:ext uri="{FF2B5EF4-FFF2-40B4-BE49-F238E27FC236}">
-                <a16:creationId xmlns:a16="http://schemas.microsoft.com/office/drawing/2014/main" id="{EC86C6D7-3C7D-6AF2-447D-A881053530E6}"/>
+          <p:cNvPr id="5" name="Picture 4">
+            <a:extLst>
+              <a:ext uri="{FF2B5EF4-FFF2-40B4-BE49-F238E27FC236}">
+                <a16:creationId xmlns:a16="http://schemas.microsoft.com/office/drawing/2014/main" id="{C0D35C05-600F-780A-D577-3A50A533E4F1}"/>
               </a:ext>
             </a:extLst>
           </p:cNvPr>
@@ -3704,8 +3682,8 @@
         </p:blipFill>
         <p:spPr>
           <a:xfrm>
-            <a:off x="6230048" y="1675261"/>
-            <a:ext cx="5958903" cy="4336372"/>
+            <a:off x="-50548" y="1134150"/>
+            <a:ext cx="6121274" cy="5729429"/>
           </a:xfrm>
           <a:prstGeom prst="rect">
             <a:avLst/>
@@ -3714,10 +3692,10 @@
       </p:pic>
       <p:sp>
         <p:nvSpPr>
-          <p:cNvPr id="8" name="Title 1">
-            <a:extLst>
-              <a:ext uri="{FF2B5EF4-FFF2-40B4-BE49-F238E27FC236}">
-                <a16:creationId xmlns:a16="http://schemas.microsoft.com/office/drawing/2014/main" id="{76969440-69C8-3EFA-2D8B-2F0051E5A00A}"/>
+          <p:cNvPr id="10" name="Title 1">
+            <a:extLst>
+              <a:ext uri="{FF2B5EF4-FFF2-40B4-BE49-F238E27FC236}">
+                <a16:creationId xmlns:a16="http://schemas.microsoft.com/office/drawing/2014/main" id="{E6032162-CEFA-EC1F-6AEC-0D7413D97CCD}"/>
               </a:ext>
             </a:extLst>
           </p:cNvPr>
@@ -3728,7 +3706,7 @@
         </p:nvSpPr>
         <p:spPr>
           <a:xfrm>
-            <a:off x="838200" y="365125"/>
+            <a:off x="706821" y="203271"/>
             <a:ext cx="10515600" cy="1325563"/>
           </a:xfrm>
           <a:prstGeom prst="rect">
@@ -3761,7 +3739,7 @@
           <a:p>
             <a:r>
               <a:rPr lang="en-US" dirty="0"/>
-              <a:t>Ericameria K</a:t>
+              <a:t>Aciurina K</a:t>
             </a:r>
           </a:p>
         </p:txBody>
@@ -3769,7 +3747,7 @@
     </p:spTree>
     <p:extLst>
       <p:ext uri="{BB962C8B-B14F-4D97-AF65-F5344CB8AC3E}">
-        <p14:creationId xmlns:p14="http://schemas.microsoft.com/office/powerpoint/2010/main" val="1385709473"/>
+        <p14:creationId xmlns:p14="http://schemas.microsoft.com/office/powerpoint/2010/main" val="807956994"/>
       </p:ext>
     </p:extLst>
   </p:cSld>
@@ -3782,14 +3760,6 @@
 <file path=ppt/slides/slide12.xml><?xml version="1.0" encoding="utf-8"?>
 <p:sld xmlns:a="http://schemas.openxmlformats.org/drawingml/2006/main" xmlns:r="http://schemas.openxmlformats.org/officeDocument/2006/relationships" xmlns:p="http://schemas.openxmlformats.org/presentationml/2006/main">
   <p:cSld>
-    <p:bg>
-      <p:bgPr>
-        <a:solidFill>
-          <a:schemeClr val="bg1"/>
-        </a:solidFill>
-        <a:effectLst/>
-      </p:bgPr>
-    </p:bg>
     <p:spTree>
       <p:nvGrpSpPr>
         <p:cNvPr id="1" name=""/>
@@ -3804,63 +3774,34 @@
           <a:chExt cx="0" cy="0"/>
         </a:xfrm>
       </p:grpSpPr>
-      <p:sp useBgFill="1">
-        <p:nvSpPr>
-          <p:cNvPr id="12" name="Rectangle 11">
-            <a:extLst>
-              <a:ext uri="{FF2B5EF4-FFF2-40B4-BE49-F238E27FC236}">
-                <a16:creationId xmlns:a16="http://schemas.microsoft.com/office/drawing/2014/main" id="{99ED5833-B85B-4103-8A3B-CAB0308E6C15}"/>
-              </a:ext>
-              <a:ext uri="{C183D7F6-B498-43B3-948B-1728B52AA6E4}">
-                <adec:decorative xmlns:adec="http://schemas.microsoft.com/office/drawing/2017/decorative" val="1"/>
-              </a:ext>
-            </a:extLst>
-          </p:cNvPr>
-          <p:cNvSpPr>
-            <a:spLocks noGrp="1" noRot="1" noChangeAspect="1" noMove="1" noResize="1" noEditPoints="1" noAdjustHandles="1" noChangeArrowheads="1" noChangeShapeType="1" noTextEdit="1"/>
-          </p:cNvSpPr>
-          <p:nvPr>
-            <p:extLst>
-              <p:ext uri="{386F3935-93C4-4BCD-93E2-E3B085C9AB24}">
-                <p16:designElem xmlns:p16="http://schemas.microsoft.com/office/powerpoint/2015/main" val="1"/>
-              </p:ext>
-            </p:extLst>
-          </p:nvPr>
-        </p:nvSpPr>
-        <p:spPr>
-          <a:xfrm>
-            <a:off x="-1" y="0"/>
-            <a:ext cx="12188952" cy="6858000"/>
-          </a:xfrm>
-          <a:prstGeom prst="rect">
-            <a:avLst/>
-          </a:prstGeom>
-          <a:ln>
-            <a:noFill/>
-          </a:ln>
-        </p:spPr>
-        <p:style>
-          <a:lnRef idx="2">
-            <a:schemeClr val="accent1">
-              <a:shade val="50000"/>
-            </a:schemeClr>
-          </a:lnRef>
-          <a:fillRef idx="1">
-            <a:schemeClr val="accent1"/>
-          </a:fillRef>
-          <a:effectRef idx="0">
-            <a:schemeClr val="accent1"/>
-          </a:effectRef>
-          <a:fontRef idx="minor">
-            <a:schemeClr val="lt1"/>
-          </a:fontRef>
-        </p:style>
-        <p:txBody>
-          <a:bodyPr rtlCol="0" anchor="ctr"/>
-          <a:lstStyle/>
-          <a:p>
-            <a:pPr algn="ctr"/>
-            <a:endParaRPr lang="en-US"/>
+      <p:sp>
+        <p:nvSpPr>
+          <p:cNvPr id="2" name="Title 1">
+            <a:extLst>
+              <a:ext uri="{FF2B5EF4-FFF2-40B4-BE49-F238E27FC236}">
+                <a16:creationId xmlns:a16="http://schemas.microsoft.com/office/drawing/2014/main" id="{74623C4D-5B53-9EB7-8F66-E5AC52A32B98}"/>
+              </a:ext>
+            </a:extLst>
+          </p:cNvPr>
+          <p:cNvSpPr>
+            <a:spLocks noGrp="1"/>
+          </p:cNvSpPr>
+          <p:nvPr>
+            <p:ph type="title"/>
+          </p:nvPr>
+        </p:nvSpPr>
+        <p:spPr/>
+        <p:txBody>
+          <a:bodyPr/>
+          <a:lstStyle/>
+          <a:p>
+            <a:r>
+              <a:rPr lang="en-US" sz="4400" b="0" i="0" dirty="0">
+                <a:effectLst/>
+              </a:rPr>
+              <a:t>Ericameria K</a:t>
+            </a:r>
+            <a:endParaRPr lang="en-US" dirty="0"/>
           </a:p>
         </p:txBody>
       </p:sp>
@@ -3869,7 +3810,7 @@
           <p:cNvPr id="5" name="Content Placeholder 4">
             <a:extLst>
               <a:ext uri="{FF2B5EF4-FFF2-40B4-BE49-F238E27FC236}">
-                <a16:creationId xmlns:a16="http://schemas.microsoft.com/office/drawing/2014/main" id="{E9AC49ED-889C-0C07-5D9A-7D4D9AE25011}"/>
+                <a16:creationId xmlns:a16="http://schemas.microsoft.com/office/drawing/2014/main" id="{EBE0C751-B43B-9EA3-0174-521D2C2C35E0}"/>
               </a:ext>
             </a:extLst>
           </p:cNvPr>
@@ -3888,12 +3829,9 @@
         </p:blipFill>
         <p:spPr>
           <a:xfrm>
-            <a:off x="-97681" y="1675261"/>
-            <a:ext cx="6193681" cy="4507223"/>
-          </a:xfrm>
-          <a:prstGeom prst="rect">
-            <a:avLst/>
-          </a:prstGeom>
+            <a:off x="4786051" y="744094"/>
+            <a:ext cx="7374807" cy="5369812"/>
+          </a:xfrm>
         </p:spPr>
       </p:pic>
       <p:pic>
@@ -3901,7 +3839,7 @@
           <p:cNvPr id="7" name="Picture 6">
             <a:extLst>
               <a:ext uri="{FF2B5EF4-FFF2-40B4-BE49-F238E27FC236}">
-                <a16:creationId xmlns:a16="http://schemas.microsoft.com/office/drawing/2014/main" id="{BADAC576-809E-97C2-E7AD-1559CCFB495E}"/>
+                <a16:creationId xmlns:a16="http://schemas.microsoft.com/office/drawing/2014/main" id="{C80FDC0C-43EB-E701-7C32-649EEA0534A4}"/>
               </a:ext>
             </a:extLst>
           </p:cNvPr>
@@ -3918,72 +3856,18 @@
         </p:blipFill>
         <p:spPr>
           <a:xfrm>
-            <a:off x="5903590" y="1675261"/>
-            <a:ext cx="6193681" cy="4507223"/>
+            <a:off x="31142" y="1630426"/>
+            <a:ext cx="4940261" cy="3597148"/>
           </a:xfrm>
           <a:prstGeom prst="rect">
             <a:avLst/>
           </a:prstGeom>
         </p:spPr>
       </p:pic>
-      <p:sp>
-        <p:nvSpPr>
-          <p:cNvPr id="8" name="Title 1">
-            <a:extLst>
-              <a:ext uri="{FF2B5EF4-FFF2-40B4-BE49-F238E27FC236}">
-                <a16:creationId xmlns:a16="http://schemas.microsoft.com/office/drawing/2014/main" id="{13A2759C-4BCE-A835-2684-8436CDD0E0E0}"/>
-              </a:ext>
-            </a:extLst>
-          </p:cNvPr>
-          <p:cNvSpPr txBox="1">
-            <a:spLocks/>
-          </p:cNvSpPr>
-          <p:nvPr/>
-        </p:nvSpPr>
-        <p:spPr>
-          <a:xfrm>
-            <a:off x="838200" y="365125"/>
-            <a:ext cx="10515600" cy="1325563"/>
-          </a:xfrm>
-          <a:prstGeom prst="rect">
-            <a:avLst/>
-          </a:prstGeom>
-        </p:spPr>
-        <p:txBody>
-          <a:bodyPr vert="horz" lIns="91440" tIns="45720" rIns="91440" bIns="45720" rtlCol="0" anchor="ctr">
-            <a:normAutofit/>
-          </a:bodyPr>
-          <a:lstStyle>
-            <a:lvl1pPr algn="l" defTabSz="914400" rtl="0" eaLnBrk="1" latinLnBrk="0" hangingPunct="1">
-              <a:lnSpc>
-                <a:spcPct val="90000"/>
-              </a:lnSpc>
-              <a:spcBef>
-                <a:spcPct val="0"/>
-              </a:spcBef>
-              <a:buNone/>
-              <a:defRPr sz="4400" kern="1200">
-                <a:solidFill>
-                  <a:schemeClr val="tx1"/>
-                </a:solidFill>
-                <a:latin typeface="+mj-lt"/>
-                <a:ea typeface="+mj-ea"/>
-                <a:cs typeface="+mj-cs"/>
-              </a:defRPr>
-            </a:lvl1pPr>
-          </a:lstStyle>
-          <a:p>
-            <a:r>
-              <a:rPr lang="en-US" dirty="0"/>
-              <a:t>Ericameria K</a:t>
-            </a:r>
-          </a:p>
-        </p:txBody>
-      </p:sp>
     </p:spTree>
     <p:extLst>
       <p:ext uri="{BB962C8B-B14F-4D97-AF65-F5344CB8AC3E}">
-        <p14:creationId xmlns:p14="http://schemas.microsoft.com/office/powerpoint/2010/main" val="3207730080"/>
+        <p14:creationId xmlns:p14="http://schemas.microsoft.com/office/powerpoint/2010/main" val="4216156854"/>
       </p:ext>
     </p:extLst>
   </p:cSld>
@@ -4078,6 +3962,467 @@
           </a:p>
         </p:txBody>
       </p:sp>
+      <p:sp>
+        <p:nvSpPr>
+          <p:cNvPr id="2" name="Title 1">
+            <a:extLst>
+              <a:ext uri="{FF2B5EF4-FFF2-40B4-BE49-F238E27FC236}">
+                <a16:creationId xmlns:a16="http://schemas.microsoft.com/office/drawing/2014/main" id="{2D790C2F-6455-40A7-5D74-59501A29F26C}"/>
+              </a:ext>
+            </a:extLst>
+          </p:cNvPr>
+          <p:cNvSpPr>
+            <a:spLocks noGrp="1"/>
+          </p:cNvSpPr>
+          <p:nvPr>
+            <p:ph type="title"/>
+          </p:nvPr>
+        </p:nvSpPr>
+        <p:spPr>
+          <a:xfrm>
+            <a:off x="1198181" y="560881"/>
+            <a:ext cx="9795638" cy="1114380"/>
+          </a:xfrm>
+        </p:spPr>
+        <p:txBody>
+          <a:bodyPr vert="horz" lIns="91440" tIns="45720" rIns="91440" bIns="45720" rtlCol="0" anchor="b">
+            <a:normAutofit/>
+          </a:bodyPr>
+          <a:lstStyle/>
+          <a:p>
+            <a:pPr algn="ctr"/>
+            <a:endParaRPr lang="en-US" sz="5200"/>
+          </a:p>
+        </p:txBody>
+      </p:sp>
+      <p:pic>
+        <p:nvPicPr>
+          <p:cNvPr id="5" name="Content Placeholder 4">
+            <a:extLst>
+              <a:ext uri="{FF2B5EF4-FFF2-40B4-BE49-F238E27FC236}">
+                <a16:creationId xmlns:a16="http://schemas.microsoft.com/office/drawing/2014/main" id="{FA593E34-85FD-6B2A-543E-FF814E552C65}"/>
+              </a:ext>
+            </a:extLst>
+          </p:cNvPr>
+          <p:cNvPicPr>
+            <a:picLocks noGrp="1" noChangeAspect="1"/>
+          </p:cNvPicPr>
+          <p:nvPr>
+            <p:ph idx="1"/>
+          </p:nvPr>
+        </p:nvPicPr>
+        <p:blipFill>
+          <a:blip r:embed="rId2"/>
+          <a:stretch>
+            <a:fillRect/>
+          </a:stretch>
+        </p:blipFill>
+        <p:spPr>
+          <a:xfrm>
+            <a:off x="228777" y="1675261"/>
+            <a:ext cx="5958903" cy="4336372"/>
+          </a:xfrm>
+          <a:prstGeom prst="rect">
+            <a:avLst/>
+          </a:prstGeom>
+        </p:spPr>
+      </p:pic>
+      <p:pic>
+        <p:nvPicPr>
+          <p:cNvPr id="7" name="Picture 6">
+            <a:extLst>
+              <a:ext uri="{FF2B5EF4-FFF2-40B4-BE49-F238E27FC236}">
+                <a16:creationId xmlns:a16="http://schemas.microsoft.com/office/drawing/2014/main" id="{EC86C6D7-3C7D-6AF2-447D-A881053530E6}"/>
+              </a:ext>
+            </a:extLst>
+          </p:cNvPr>
+          <p:cNvPicPr>
+            <a:picLocks noChangeAspect="1"/>
+          </p:cNvPicPr>
+          <p:nvPr/>
+        </p:nvPicPr>
+        <p:blipFill>
+          <a:blip r:embed="rId3"/>
+          <a:stretch>
+            <a:fillRect/>
+          </a:stretch>
+        </p:blipFill>
+        <p:spPr>
+          <a:xfrm>
+            <a:off x="6230048" y="1675261"/>
+            <a:ext cx="5958903" cy="4336372"/>
+          </a:xfrm>
+          <a:prstGeom prst="rect">
+            <a:avLst/>
+          </a:prstGeom>
+        </p:spPr>
+      </p:pic>
+      <p:sp>
+        <p:nvSpPr>
+          <p:cNvPr id="8" name="Title 1">
+            <a:extLst>
+              <a:ext uri="{FF2B5EF4-FFF2-40B4-BE49-F238E27FC236}">
+                <a16:creationId xmlns:a16="http://schemas.microsoft.com/office/drawing/2014/main" id="{76969440-69C8-3EFA-2D8B-2F0051E5A00A}"/>
+              </a:ext>
+            </a:extLst>
+          </p:cNvPr>
+          <p:cNvSpPr txBox="1">
+            <a:spLocks/>
+          </p:cNvSpPr>
+          <p:nvPr/>
+        </p:nvSpPr>
+        <p:spPr>
+          <a:xfrm>
+            <a:off x="838200" y="365125"/>
+            <a:ext cx="10515600" cy="1325563"/>
+          </a:xfrm>
+          <a:prstGeom prst="rect">
+            <a:avLst/>
+          </a:prstGeom>
+        </p:spPr>
+        <p:txBody>
+          <a:bodyPr vert="horz" lIns="91440" tIns="45720" rIns="91440" bIns="45720" rtlCol="0" anchor="ctr">
+            <a:normAutofit/>
+          </a:bodyPr>
+          <a:lstStyle>
+            <a:lvl1pPr algn="l" defTabSz="914400" rtl="0" eaLnBrk="1" latinLnBrk="0" hangingPunct="1">
+              <a:lnSpc>
+                <a:spcPct val="90000"/>
+              </a:lnSpc>
+              <a:spcBef>
+                <a:spcPct val="0"/>
+              </a:spcBef>
+              <a:buNone/>
+              <a:defRPr sz="4400" kern="1200">
+                <a:solidFill>
+                  <a:schemeClr val="tx1"/>
+                </a:solidFill>
+                <a:latin typeface="+mj-lt"/>
+                <a:ea typeface="+mj-ea"/>
+                <a:cs typeface="+mj-cs"/>
+              </a:defRPr>
+            </a:lvl1pPr>
+          </a:lstStyle>
+          <a:p>
+            <a:r>
+              <a:rPr lang="en-US" dirty="0"/>
+              <a:t>Ericameria K</a:t>
+            </a:r>
+          </a:p>
+        </p:txBody>
+      </p:sp>
+    </p:spTree>
+    <p:extLst>
+      <p:ext uri="{BB962C8B-B14F-4D97-AF65-F5344CB8AC3E}">
+        <p14:creationId xmlns:p14="http://schemas.microsoft.com/office/powerpoint/2010/main" val="1385709473"/>
+      </p:ext>
+    </p:extLst>
+  </p:cSld>
+  <p:clrMapOvr>
+    <a:masterClrMapping/>
+  </p:clrMapOvr>
+</p:sld>
+</file>
+
+<file path=ppt/slides/slide14.xml><?xml version="1.0" encoding="utf-8"?>
+<p:sld xmlns:a="http://schemas.openxmlformats.org/drawingml/2006/main" xmlns:r="http://schemas.openxmlformats.org/officeDocument/2006/relationships" xmlns:p="http://schemas.openxmlformats.org/presentationml/2006/main">
+  <p:cSld>
+    <p:bg>
+      <p:bgPr>
+        <a:solidFill>
+          <a:schemeClr val="bg1"/>
+        </a:solidFill>
+        <a:effectLst/>
+      </p:bgPr>
+    </p:bg>
+    <p:spTree>
+      <p:nvGrpSpPr>
+        <p:cNvPr id="1" name=""/>
+        <p:cNvGrpSpPr/>
+        <p:nvPr/>
+      </p:nvGrpSpPr>
+      <p:grpSpPr>
+        <a:xfrm>
+          <a:off x="0" y="0"/>
+          <a:ext cx="0" cy="0"/>
+          <a:chOff x="0" y="0"/>
+          <a:chExt cx="0" cy="0"/>
+        </a:xfrm>
+      </p:grpSpPr>
+      <p:sp useBgFill="1">
+        <p:nvSpPr>
+          <p:cNvPr id="12" name="Rectangle 11">
+            <a:extLst>
+              <a:ext uri="{FF2B5EF4-FFF2-40B4-BE49-F238E27FC236}">
+                <a16:creationId xmlns:a16="http://schemas.microsoft.com/office/drawing/2014/main" id="{99ED5833-B85B-4103-8A3B-CAB0308E6C15}"/>
+              </a:ext>
+              <a:ext uri="{C183D7F6-B498-43B3-948B-1728B52AA6E4}">
+                <adec:decorative xmlns:adec="http://schemas.microsoft.com/office/drawing/2017/decorative" val="1"/>
+              </a:ext>
+            </a:extLst>
+          </p:cNvPr>
+          <p:cNvSpPr>
+            <a:spLocks noGrp="1" noRot="1" noChangeAspect="1" noMove="1" noResize="1" noEditPoints="1" noAdjustHandles="1" noChangeArrowheads="1" noChangeShapeType="1" noTextEdit="1"/>
+          </p:cNvSpPr>
+          <p:nvPr>
+            <p:extLst>
+              <p:ext uri="{386F3935-93C4-4BCD-93E2-E3B085C9AB24}">
+                <p16:designElem xmlns:p16="http://schemas.microsoft.com/office/powerpoint/2015/main" val="1"/>
+              </p:ext>
+            </p:extLst>
+          </p:nvPr>
+        </p:nvSpPr>
+        <p:spPr>
+          <a:xfrm>
+            <a:off x="-1" y="0"/>
+            <a:ext cx="12188952" cy="6858000"/>
+          </a:xfrm>
+          <a:prstGeom prst="rect">
+            <a:avLst/>
+          </a:prstGeom>
+          <a:ln>
+            <a:noFill/>
+          </a:ln>
+        </p:spPr>
+        <p:style>
+          <a:lnRef idx="2">
+            <a:schemeClr val="accent1">
+              <a:shade val="50000"/>
+            </a:schemeClr>
+          </a:lnRef>
+          <a:fillRef idx="1">
+            <a:schemeClr val="accent1"/>
+          </a:fillRef>
+          <a:effectRef idx="0">
+            <a:schemeClr val="accent1"/>
+          </a:effectRef>
+          <a:fontRef idx="minor">
+            <a:schemeClr val="lt1"/>
+          </a:fontRef>
+        </p:style>
+        <p:txBody>
+          <a:bodyPr rtlCol="0" anchor="ctr"/>
+          <a:lstStyle/>
+          <a:p>
+            <a:pPr algn="ctr"/>
+            <a:endParaRPr lang="en-US"/>
+          </a:p>
+        </p:txBody>
+      </p:sp>
+      <p:pic>
+        <p:nvPicPr>
+          <p:cNvPr id="5" name="Content Placeholder 4">
+            <a:extLst>
+              <a:ext uri="{FF2B5EF4-FFF2-40B4-BE49-F238E27FC236}">
+                <a16:creationId xmlns:a16="http://schemas.microsoft.com/office/drawing/2014/main" id="{E9AC49ED-889C-0C07-5D9A-7D4D9AE25011}"/>
+              </a:ext>
+            </a:extLst>
+          </p:cNvPr>
+          <p:cNvPicPr>
+            <a:picLocks noGrp="1" noChangeAspect="1"/>
+          </p:cNvPicPr>
+          <p:nvPr>
+            <p:ph idx="1"/>
+          </p:nvPr>
+        </p:nvPicPr>
+        <p:blipFill>
+          <a:blip r:embed="rId2"/>
+          <a:stretch>
+            <a:fillRect/>
+          </a:stretch>
+        </p:blipFill>
+        <p:spPr>
+          <a:xfrm>
+            <a:off x="-97681" y="1675261"/>
+            <a:ext cx="6193681" cy="4507223"/>
+          </a:xfrm>
+          <a:prstGeom prst="rect">
+            <a:avLst/>
+          </a:prstGeom>
+        </p:spPr>
+      </p:pic>
+      <p:pic>
+        <p:nvPicPr>
+          <p:cNvPr id="7" name="Picture 6">
+            <a:extLst>
+              <a:ext uri="{FF2B5EF4-FFF2-40B4-BE49-F238E27FC236}">
+                <a16:creationId xmlns:a16="http://schemas.microsoft.com/office/drawing/2014/main" id="{BADAC576-809E-97C2-E7AD-1559CCFB495E}"/>
+              </a:ext>
+            </a:extLst>
+          </p:cNvPr>
+          <p:cNvPicPr>
+            <a:picLocks noChangeAspect="1"/>
+          </p:cNvPicPr>
+          <p:nvPr/>
+        </p:nvPicPr>
+        <p:blipFill>
+          <a:blip r:embed="rId3"/>
+          <a:stretch>
+            <a:fillRect/>
+          </a:stretch>
+        </p:blipFill>
+        <p:spPr>
+          <a:xfrm>
+            <a:off x="5903590" y="1675261"/>
+            <a:ext cx="6193681" cy="4507223"/>
+          </a:xfrm>
+          <a:prstGeom prst="rect">
+            <a:avLst/>
+          </a:prstGeom>
+        </p:spPr>
+      </p:pic>
+      <p:sp>
+        <p:nvSpPr>
+          <p:cNvPr id="8" name="Title 1">
+            <a:extLst>
+              <a:ext uri="{FF2B5EF4-FFF2-40B4-BE49-F238E27FC236}">
+                <a16:creationId xmlns:a16="http://schemas.microsoft.com/office/drawing/2014/main" id="{13A2759C-4BCE-A835-2684-8436CDD0E0E0}"/>
+              </a:ext>
+            </a:extLst>
+          </p:cNvPr>
+          <p:cNvSpPr txBox="1">
+            <a:spLocks/>
+          </p:cNvSpPr>
+          <p:nvPr/>
+        </p:nvSpPr>
+        <p:spPr>
+          <a:xfrm>
+            <a:off x="838200" y="365125"/>
+            <a:ext cx="10515600" cy="1325563"/>
+          </a:xfrm>
+          <a:prstGeom prst="rect">
+            <a:avLst/>
+          </a:prstGeom>
+        </p:spPr>
+        <p:txBody>
+          <a:bodyPr vert="horz" lIns="91440" tIns="45720" rIns="91440" bIns="45720" rtlCol="0" anchor="ctr">
+            <a:normAutofit/>
+          </a:bodyPr>
+          <a:lstStyle>
+            <a:lvl1pPr algn="l" defTabSz="914400" rtl="0" eaLnBrk="1" latinLnBrk="0" hangingPunct="1">
+              <a:lnSpc>
+                <a:spcPct val="90000"/>
+              </a:lnSpc>
+              <a:spcBef>
+                <a:spcPct val="0"/>
+              </a:spcBef>
+              <a:buNone/>
+              <a:defRPr sz="4400" kern="1200">
+                <a:solidFill>
+                  <a:schemeClr val="tx1"/>
+                </a:solidFill>
+                <a:latin typeface="+mj-lt"/>
+                <a:ea typeface="+mj-ea"/>
+                <a:cs typeface="+mj-cs"/>
+              </a:defRPr>
+            </a:lvl1pPr>
+          </a:lstStyle>
+          <a:p>
+            <a:r>
+              <a:rPr lang="en-US" dirty="0"/>
+              <a:t>Ericameria K</a:t>
+            </a:r>
+          </a:p>
+        </p:txBody>
+      </p:sp>
+    </p:spTree>
+    <p:extLst>
+      <p:ext uri="{BB962C8B-B14F-4D97-AF65-F5344CB8AC3E}">
+        <p14:creationId xmlns:p14="http://schemas.microsoft.com/office/powerpoint/2010/main" val="3207730080"/>
+      </p:ext>
+    </p:extLst>
+  </p:cSld>
+  <p:clrMapOvr>
+    <a:masterClrMapping/>
+  </p:clrMapOvr>
+</p:sld>
+</file>
+
+<file path=ppt/slides/slide15.xml><?xml version="1.0" encoding="utf-8"?>
+<p:sld xmlns:a="http://schemas.openxmlformats.org/drawingml/2006/main" xmlns:r="http://schemas.openxmlformats.org/officeDocument/2006/relationships" xmlns:p="http://schemas.openxmlformats.org/presentationml/2006/main">
+  <p:cSld>
+    <p:bg>
+      <p:bgPr>
+        <a:solidFill>
+          <a:schemeClr val="bg1"/>
+        </a:solidFill>
+        <a:effectLst/>
+      </p:bgPr>
+    </p:bg>
+    <p:spTree>
+      <p:nvGrpSpPr>
+        <p:cNvPr id="1" name=""/>
+        <p:cNvGrpSpPr/>
+        <p:nvPr/>
+      </p:nvGrpSpPr>
+      <p:grpSpPr>
+        <a:xfrm>
+          <a:off x="0" y="0"/>
+          <a:ext cx="0" cy="0"/>
+          <a:chOff x="0" y="0"/>
+          <a:chExt cx="0" cy="0"/>
+        </a:xfrm>
+      </p:grpSpPr>
+      <p:sp useBgFill="1">
+        <p:nvSpPr>
+          <p:cNvPr id="12" name="Rectangle 11">
+            <a:extLst>
+              <a:ext uri="{FF2B5EF4-FFF2-40B4-BE49-F238E27FC236}">
+                <a16:creationId xmlns:a16="http://schemas.microsoft.com/office/drawing/2014/main" id="{99ED5833-B85B-4103-8A3B-CAB0308E6C15}"/>
+              </a:ext>
+              <a:ext uri="{C183D7F6-B498-43B3-948B-1728B52AA6E4}">
+                <adec:decorative xmlns:adec="http://schemas.microsoft.com/office/drawing/2017/decorative" val="1"/>
+              </a:ext>
+            </a:extLst>
+          </p:cNvPr>
+          <p:cNvSpPr>
+            <a:spLocks noGrp="1" noRot="1" noChangeAspect="1" noMove="1" noResize="1" noEditPoints="1" noAdjustHandles="1" noChangeArrowheads="1" noChangeShapeType="1" noTextEdit="1"/>
+          </p:cNvSpPr>
+          <p:nvPr>
+            <p:extLst>
+              <p:ext uri="{386F3935-93C4-4BCD-93E2-E3B085C9AB24}">
+                <p16:designElem xmlns:p16="http://schemas.microsoft.com/office/powerpoint/2015/main" val="1"/>
+              </p:ext>
+            </p:extLst>
+          </p:nvPr>
+        </p:nvSpPr>
+        <p:spPr>
+          <a:xfrm>
+            <a:off x="-1" y="0"/>
+            <a:ext cx="12188952" cy="6858000"/>
+          </a:xfrm>
+          <a:prstGeom prst="rect">
+            <a:avLst/>
+          </a:prstGeom>
+          <a:ln>
+            <a:noFill/>
+          </a:ln>
+        </p:spPr>
+        <p:style>
+          <a:lnRef idx="2">
+            <a:schemeClr val="accent1">
+              <a:shade val="50000"/>
+            </a:schemeClr>
+          </a:lnRef>
+          <a:fillRef idx="1">
+            <a:schemeClr val="accent1"/>
+          </a:fillRef>
+          <a:effectRef idx="0">
+            <a:schemeClr val="accent1"/>
+          </a:effectRef>
+          <a:fontRef idx="minor">
+            <a:schemeClr val="lt1"/>
+          </a:fontRef>
+        </p:style>
+        <p:txBody>
+          <a:bodyPr rtlCol="0" anchor="ctr"/>
+          <a:lstStyle/>
+          <a:p>
+            <a:pPr algn="ctr"/>
+            <a:endParaRPr lang="en-US"/>
+          </a:p>
+        </p:txBody>
+      </p:sp>
       <p:pic>
         <p:nvPicPr>
           <p:cNvPr id="5" name="Content Placeholder 4">
@@ -4312,6 +4657,65 @@
 <file path=ppt/slides/slide3.xml><?xml version="1.0" encoding="utf-8"?>
 <p:sld xmlns:a="http://schemas.openxmlformats.org/drawingml/2006/main" xmlns:r="http://schemas.openxmlformats.org/officeDocument/2006/relationships" xmlns:p="http://schemas.openxmlformats.org/presentationml/2006/main">
   <p:cSld>
+    <p:spTree>
+      <p:nvGrpSpPr>
+        <p:cNvPr id="1" name=""/>
+        <p:cNvGrpSpPr/>
+        <p:nvPr/>
+      </p:nvGrpSpPr>
+      <p:grpSpPr>
+        <a:xfrm>
+          <a:off x="0" y="0"/>
+          <a:ext cx="0" cy="0"/>
+          <a:chOff x="0" y="0"/>
+          <a:chExt cx="0" cy="0"/>
+        </a:xfrm>
+      </p:grpSpPr>
+      <p:pic>
+        <p:nvPicPr>
+          <p:cNvPr id="5" name="Content Placeholder 4" descr="A screenshot of a video game&#10;&#10;Description automatically generated">
+            <a:extLst>
+              <a:ext uri="{FF2B5EF4-FFF2-40B4-BE49-F238E27FC236}">
+                <a16:creationId xmlns:a16="http://schemas.microsoft.com/office/drawing/2014/main" id="{9E9BCBD5-26E6-2B64-3ECD-D278E0334BB0}"/>
+              </a:ext>
+            </a:extLst>
+          </p:cNvPr>
+          <p:cNvPicPr>
+            <a:picLocks noGrp="1" noChangeAspect="1"/>
+          </p:cNvPicPr>
+          <p:nvPr>
+            <p:ph idx="1"/>
+          </p:nvPr>
+        </p:nvPicPr>
+        <p:blipFill>
+          <a:blip r:embed="rId2"/>
+          <a:stretch>
+            <a:fillRect/>
+          </a:stretch>
+        </p:blipFill>
+        <p:spPr>
+          <a:xfrm>
+            <a:off x="1633639" y="531341"/>
+            <a:ext cx="8924722" cy="6072745"/>
+          </a:xfrm>
+        </p:spPr>
+      </p:pic>
+    </p:spTree>
+    <p:extLst>
+      <p:ext uri="{BB962C8B-B14F-4D97-AF65-F5344CB8AC3E}">
+        <p14:creationId xmlns:p14="http://schemas.microsoft.com/office/powerpoint/2010/main" val="435854442"/>
+      </p:ext>
+    </p:extLst>
+  </p:cSld>
+  <p:clrMapOvr>
+    <a:masterClrMapping/>
+  </p:clrMapOvr>
+</p:sld>
+</file>
+
+<file path=ppt/slides/slide4.xml><?xml version="1.0" encoding="utf-8"?>
+<p:sld xmlns:a="http://schemas.openxmlformats.org/drawingml/2006/main" xmlns:r="http://schemas.openxmlformats.org/officeDocument/2006/relationships" xmlns:p="http://schemas.openxmlformats.org/presentationml/2006/main">
+  <p:cSld>
     <p:bg>
       <p:bgPr>
         <a:solidFill>
@@ -4402,107 +4806,6 @@
     <p:extLst>
       <p:ext uri="{BB962C8B-B14F-4D97-AF65-F5344CB8AC3E}">
         <p14:creationId xmlns:p14="http://schemas.microsoft.com/office/powerpoint/2010/main" val="3235391868"/>
-      </p:ext>
-    </p:extLst>
-  </p:cSld>
-  <p:clrMapOvr>
-    <a:masterClrMapping/>
-  </p:clrMapOvr>
-</p:sld>
-</file>
-
-<file path=ppt/slides/slide4.xml><?xml version="1.0" encoding="utf-8"?>
-<p:sld xmlns:a="http://schemas.openxmlformats.org/drawingml/2006/main" xmlns:r="http://schemas.openxmlformats.org/officeDocument/2006/relationships" xmlns:p="http://schemas.openxmlformats.org/presentationml/2006/main">
-  <p:cSld>
-    <p:spTree>
-      <p:nvGrpSpPr>
-        <p:cNvPr id="1" name=""/>
-        <p:cNvGrpSpPr/>
-        <p:nvPr/>
-      </p:nvGrpSpPr>
-      <p:grpSpPr>
-        <a:xfrm>
-          <a:off x="0" y="0"/>
-          <a:ext cx="0" cy="0"/>
-          <a:chOff x="0" y="0"/>
-          <a:chExt cx="0" cy="0"/>
-        </a:xfrm>
-      </p:grpSpPr>
-      <p:pic>
-        <p:nvPicPr>
-          <p:cNvPr id="5" name="Content Placeholder 4">
-            <a:extLst>
-              <a:ext uri="{FF2B5EF4-FFF2-40B4-BE49-F238E27FC236}">
-                <a16:creationId xmlns:a16="http://schemas.microsoft.com/office/drawing/2014/main" id="{D71022B7-E230-A0C3-B138-E9C88CE3DD49}"/>
-              </a:ext>
-            </a:extLst>
-          </p:cNvPr>
-          <p:cNvPicPr>
-            <a:picLocks noGrp="1" noChangeAspect="1"/>
-          </p:cNvPicPr>
-          <p:nvPr>
-            <p:ph idx="1"/>
-          </p:nvPr>
-        </p:nvPicPr>
-        <p:blipFill>
-          <a:blip r:embed="rId2"/>
-          <a:stretch>
-            <a:fillRect/>
-          </a:stretch>
-        </p:blipFill>
-        <p:spPr>
-          <a:xfrm>
-            <a:off x="140043" y="267072"/>
-            <a:ext cx="11911913" cy="6590928"/>
-          </a:xfrm>
-        </p:spPr>
-      </p:pic>
-      <p:sp>
-        <p:nvSpPr>
-          <p:cNvPr id="6" name="TextBox 5">
-            <a:extLst>
-              <a:ext uri="{FF2B5EF4-FFF2-40B4-BE49-F238E27FC236}">
-                <a16:creationId xmlns:a16="http://schemas.microsoft.com/office/drawing/2014/main" id="{B7FC41A3-D581-FF8B-6120-64FB88519A6C}"/>
-              </a:ext>
-            </a:extLst>
-          </p:cNvPr>
-          <p:cNvSpPr txBox="1"/>
-          <p:nvPr/>
-        </p:nvSpPr>
-        <p:spPr>
-          <a:xfrm>
-            <a:off x="10626507" y="36239"/>
-            <a:ext cx="1565493" cy="461665"/>
-          </a:xfrm>
-          <a:prstGeom prst="rect">
-            <a:avLst/>
-          </a:prstGeom>
-          <a:noFill/>
-        </p:spPr>
-        <p:txBody>
-          <a:bodyPr wrap="none" rtlCol="0">
-            <a:spAutoFit/>
-          </a:bodyPr>
-          <a:lstStyle/>
-          <a:p>
-            <a:r>
-              <a:rPr lang="en-US" dirty="0"/>
-              <a:t> </a:t>
-            </a:r>
-            <a:r>
-              <a:rPr lang="en-US" sz="2400" b="0" i="0" dirty="0">
-                <a:effectLst/>
-              </a:rPr>
-              <a:t>Ericameria</a:t>
-            </a:r>
-            <a:endParaRPr lang="en-US" dirty="0"/>
-          </a:p>
-        </p:txBody>
-      </p:sp>
-    </p:spTree>
-    <p:extLst>
-      <p:ext uri="{BB962C8B-B14F-4D97-AF65-F5344CB8AC3E}">
-        <p14:creationId xmlns:p14="http://schemas.microsoft.com/office/powerpoint/2010/main" val="2266733447"/>
       </p:ext>
     </p:extLst>
   </p:cSld>
@@ -4534,7 +4837,7 @@
           <p:cNvPr id="5" name="Content Placeholder 4">
             <a:extLst>
               <a:ext uri="{FF2B5EF4-FFF2-40B4-BE49-F238E27FC236}">
-                <a16:creationId xmlns:a16="http://schemas.microsoft.com/office/drawing/2014/main" id="{5C36DC5B-D5B7-83E6-6CB2-131D5000F05D}"/>
+                <a16:creationId xmlns:a16="http://schemas.microsoft.com/office/drawing/2014/main" id="{D71022B7-E230-A0C3-B138-E9C88CE3DD49}"/>
               </a:ext>
             </a:extLst>
           </p:cNvPr>
@@ -4553,8 +4856,8 @@
         </p:blipFill>
         <p:spPr>
           <a:xfrm>
-            <a:off x="1264418" y="1198638"/>
-            <a:ext cx="9571748" cy="5659362"/>
+            <a:off x="140043" y="267072"/>
+            <a:ext cx="11911913" cy="6590928"/>
           </a:xfrm>
         </p:spPr>
       </p:pic>
@@ -4563,7 +4866,7 @@
           <p:cNvPr id="6" name="TextBox 5">
             <a:extLst>
               <a:ext uri="{FF2B5EF4-FFF2-40B4-BE49-F238E27FC236}">
-                <a16:creationId xmlns:a16="http://schemas.microsoft.com/office/drawing/2014/main" id="{9D0D8368-A13C-74E8-D624-1ED46D7CA1C9}"/>
+                <a16:creationId xmlns:a16="http://schemas.microsoft.com/office/drawing/2014/main" id="{B7FC41A3-D581-FF8B-6120-64FB88519A6C}"/>
               </a:ext>
             </a:extLst>
           </p:cNvPr>
@@ -4572,8 +4875,8 @@
         </p:nvSpPr>
         <p:spPr>
           <a:xfrm>
-            <a:off x="1470332" y="829306"/>
-            <a:ext cx="1043876" cy="400110"/>
+            <a:off x="10626507" y="36239"/>
+            <a:ext cx="1565493" cy="461665"/>
           </a:xfrm>
           <a:prstGeom prst="rect">
             <a:avLst/>
@@ -4587,54 +4890,23 @@
           <a:lstStyle/>
           <a:p>
             <a:r>
-              <a:rPr lang="en-US" sz="2000" dirty="0"/>
-              <a:t>Aciurina</a:t>
-            </a:r>
-          </a:p>
-        </p:txBody>
-      </p:sp>
-      <p:sp>
-        <p:nvSpPr>
-          <p:cNvPr id="9" name="TextBox 8">
-            <a:extLst>
-              <a:ext uri="{FF2B5EF4-FFF2-40B4-BE49-F238E27FC236}">
-                <a16:creationId xmlns:a16="http://schemas.microsoft.com/office/drawing/2014/main" id="{CD608BD3-985D-FBAD-CB2A-9D9755CD8B5E}"/>
-              </a:ext>
-            </a:extLst>
-          </p:cNvPr>
-          <p:cNvSpPr txBox="1"/>
-          <p:nvPr/>
-        </p:nvSpPr>
-        <p:spPr>
-          <a:xfrm>
-            <a:off x="9127119" y="829306"/>
-            <a:ext cx="1295035" cy="400110"/>
-          </a:xfrm>
-          <a:prstGeom prst="rect">
-            <a:avLst/>
-          </a:prstGeom>
-          <a:noFill/>
-        </p:spPr>
-        <p:txBody>
-          <a:bodyPr wrap="none" rtlCol="0">
-            <a:spAutoFit/>
-          </a:bodyPr>
-          <a:lstStyle/>
-          <a:p>
-            <a:r>
-              <a:rPr lang="en-US" sz="2000" b="0" i="0" dirty="0">
+              <a:rPr lang="en-US" dirty="0"/>
+              <a:t> </a:t>
+            </a:r>
+            <a:r>
+              <a:rPr lang="en-US" sz="2400" b="0" i="0" dirty="0">
                 <a:effectLst/>
               </a:rPr>
               <a:t>Ericameria</a:t>
             </a:r>
-            <a:endParaRPr lang="en-US" sz="2000" dirty="0"/>
+            <a:endParaRPr lang="en-US" dirty="0"/>
           </a:p>
         </p:txBody>
       </p:sp>
     </p:spTree>
     <p:extLst>
       <p:ext uri="{BB962C8B-B14F-4D97-AF65-F5344CB8AC3E}">
-        <p14:creationId xmlns:p14="http://schemas.microsoft.com/office/powerpoint/2010/main" val="71135741"/>
+        <p14:creationId xmlns:p14="http://schemas.microsoft.com/office/powerpoint/2010/main" val="2266733447"/>
       </p:ext>
     </p:extLst>
   </p:cSld>
@@ -4663,10 +4935,10 @@
       </p:grpSpPr>
       <p:pic>
         <p:nvPicPr>
-          <p:cNvPr id="21" name="Content Placeholder 20">
-            <a:extLst>
-              <a:ext uri="{FF2B5EF4-FFF2-40B4-BE49-F238E27FC236}">
-                <a16:creationId xmlns:a16="http://schemas.microsoft.com/office/drawing/2014/main" id="{055EC564-7EB9-4BD1-518D-DA725796E412}"/>
+          <p:cNvPr id="5" name="Content Placeholder 4">
+            <a:extLst>
+              <a:ext uri="{FF2B5EF4-FFF2-40B4-BE49-F238E27FC236}">
+                <a16:creationId xmlns:a16="http://schemas.microsoft.com/office/drawing/2014/main" id="{5C36DC5B-D5B7-83E6-6CB2-131D5000F05D}"/>
               </a:ext>
             </a:extLst>
           </p:cNvPr>
@@ -4685,99 +4957,88 @@
         </p:blipFill>
         <p:spPr>
           <a:xfrm>
-            <a:off x="5082141" y="0"/>
-            <a:ext cx="7109859" cy="6654729"/>
+            <a:off x="1264418" y="1198638"/>
+            <a:ext cx="9571748" cy="5659362"/>
           </a:xfrm>
         </p:spPr>
       </p:pic>
       <p:sp>
         <p:nvSpPr>
-          <p:cNvPr id="22" name="Title 1">
-            <a:extLst>
-              <a:ext uri="{FF2B5EF4-FFF2-40B4-BE49-F238E27FC236}">
-                <a16:creationId xmlns:a16="http://schemas.microsoft.com/office/drawing/2014/main" id="{AA6BDB1F-18FC-46FC-6ED8-243F39FF55A0}"/>
-              </a:ext>
-            </a:extLst>
-          </p:cNvPr>
-          <p:cNvSpPr txBox="1">
-            <a:spLocks/>
-          </p:cNvSpPr>
+          <p:cNvPr id="6" name="TextBox 5">
+            <a:extLst>
+              <a:ext uri="{FF2B5EF4-FFF2-40B4-BE49-F238E27FC236}">
+                <a16:creationId xmlns:a16="http://schemas.microsoft.com/office/drawing/2014/main" id="{9D0D8368-A13C-74E8-D624-1ED46D7CA1C9}"/>
+              </a:ext>
+            </a:extLst>
+          </p:cNvPr>
+          <p:cNvSpPr txBox="1"/>
           <p:nvPr/>
         </p:nvSpPr>
         <p:spPr>
           <a:xfrm>
-            <a:off x="706821" y="203271"/>
-            <a:ext cx="10515600" cy="1325563"/>
+            <a:off x="1470332" y="829306"/>
+            <a:ext cx="1043876" cy="400110"/>
           </a:xfrm>
           <a:prstGeom prst="rect">
             <a:avLst/>
           </a:prstGeom>
-        </p:spPr>
-        <p:txBody>
-          <a:bodyPr vert="horz" lIns="91440" tIns="45720" rIns="91440" bIns="45720" rtlCol="0" anchor="ctr">
-            <a:normAutofit/>
+          <a:noFill/>
+        </p:spPr>
+        <p:txBody>
+          <a:bodyPr wrap="none" rtlCol="0">
+            <a:spAutoFit/>
           </a:bodyPr>
-          <a:lstStyle>
-            <a:lvl1pPr algn="l" defTabSz="914400" rtl="0" eaLnBrk="1" latinLnBrk="0" hangingPunct="1">
-              <a:lnSpc>
-                <a:spcPct val="90000"/>
-              </a:lnSpc>
-              <a:spcBef>
-                <a:spcPct val="0"/>
-              </a:spcBef>
-              <a:buNone/>
-              <a:defRPr sz="4400" kern="1200">
-                <a:solidFill>
-                  <a:schemeClr val="tx1"/>
-                </a:solidFill>
-                <a:latin typeface="+mj-lt"/>
-                <a:ea typeface="+mj-ea"/>
-                <a:cs typeface="+mj-cs"/>
-              </a:defRPr>
-            </a:lvl1pPr>
-          </a:lstStyle>
-          <a:p>
-            <a:r>
-              <a:rPr lang="en-US" dirty="0"/>
-              <a:t>Aciurina K</a:t>
-            </a:r>
-          </a:p>
-        </p:txBody>
-      </p:sp>
-      <p:pic>
-        <p:nvPicPr>
-          <p:cNvPr id="25" name="Picture 24">
-            <a:extLst>
-              <a:ext uri="{FF2B5EF4-FFF2-40B4-BE49-F238E27FC236}">
-                <a16:creationId xmlns:a16="http://schemas.microsoft.com/office/drawing/2014/main" id="{EB9672D6-5C2D-85FE-7366-E5151C779A6B}"/>
-              </a:ext>
-            </a:extLst>
-          </p:cNvPr>
-          <p:cNvPicPr>
-            <a:picLocks noChangeAspect="1"/>
-          </p:cNvPicPr>
+          <a:lstStyle/>
+          <a:p>
+            <a:r>
+              <a:rPr lang="en-US" sz="2000" dirty="0"/>
+              <a:t>Aciurina</a:t>
+            </a:r>
+          </a:p>
+        </p:txBody>
+      </p:sp>
+      <p:sp>
+        <p:nvSpPr>
+          <p:cNvPr id="9" name="TextBox 8">
+            <a:extLst>
+              <a:ext uri="{FF2B5EF4-FFF2-40B4-BE49-F238E27FC236}">
+                <a16:creationId xmlns:a16="http://schemas.microsoft.com/office/drawing/2014/main" id="{CD608BD3-985D-FBAD-CB2A-9D9755CD8B5E}"/>
+              </a:ext>
+            </a:extLst>
+          </p:cNvPr>
+          <p:cNvSpPr txBox="1"/>
           <p:nvPr/>
-        </p:nvPicPr>
-        <p:blipFill>
-          <a:blip r:embed="rId3"/>
-          <a:stretch>
-            <a:fillRect/>
-          </a:stretch>
-        </p:blipFill>
-        <p:spPr>
-          <a:xfrm>
-            <a:off x="157849" y="1124465"/>
-            <a:ext cx="4924292" cy="4609070"/>
+        </p:nvSpPr>
+        <p:spPr>
+          <a:xfrm>
+            <a:off x="9127119" y="829306"/>
+            <a:ext cx="1295035" cy="400110"/>
           </a:xfrm>
           <a:prstGeom prst="rect">
             <a:avLst/>
           </a:prstGeom>
-        </p:spPr>
-      </p:pic>
+          <a:noFill/>
+        </p:spPr>
+        <p:txBody>
+          <a:bodyPr wrap="none" rtlCol="0">
+            <a:spAutoFit/>
+          </a:bodyPr>
+          <a:lstStyle/>
+          <a:p>
+            <a:r>
+              <a:rPr lang="en-US" sz="2000" b="0" i="0" dirty="0">
+                <a:effectLst/>
+              </a:rPr>
+              <a:t>Ericameria</a:t>
+            </a:r>
+            <a:endParaRPr lang="en-US" sz="2000" dirty="0"/>
+          </a:p>
+        </p:txBody>
+      </p:sp>
     </p:spTree>
     <p:extLst>
       <p:ext uri="{BB962C8B-B14F-4D97-AF65-F5344CB8AC3E}">
-        <p14:creationId xmlns:p14="http://schemas.microsoft.com/office/powerpoint/2010/main" val="2718434741"/>
+        <p14:creationId xmlns:p14="http://schemas.microsoft.com/office/powerpoint/2010/main" val="71135741"/>
       </p:ext>
     </p:extLst>
   </p:cSld>
@@ -4804,44 +5065,21 @@
           <a:chExt cx="0" cy="0"/>
         </a:xfrm>
       </p:grpSpPr>
-      <p:sp>
-        <p:nvSpPr>
-          <p:cNvPr id="3" name="Content Placeholder 2">
-            <a:extLst>
-              <a:ext uri="{FF2B5EF4-FFF2-40B4-BE49-F238E27FC236}">
-                <a16:creationId xmlns:a16="http://schemas.microsoft.com/office/drawing/2014/main" id="{A6973D2C-4656-D4A6-EBCA-AE9ED054CC1D}"/>
-              </a:ext>
-            </a:extLst>
-          </p:cNvPr>
-          <p:cNvSpPr>
-            <a:spLocks noGrp="1"/>
-          </p:cNvSpPr>
-          <p:nvPr>
-            <p:ph idx="1"/>
-          </p:nvPr>
-        </p:nvSpPr>
-        <p:spPr/>
-        <p:txBody>
-          <a:bodyPr/>
-          <a:lstStyle/>
-          <a:p>
-            <a:endParaRPr lang="en-US"/>
-          </a:p>
-        </p:txBody>
-      </p:sp>
       <p:pic>
         <p:nvPicPr>
-          <p:cNvPr id="5" name="Picture 4">
-            <a:extLst>
-              <a:ext uri="{FF2B5EF4-FFF2-40B4-BE49-F238E27FC236}">
-                <a16:creationId xmlns:a16="http://schemas.microsoft.com/office/drawing/2014/main" id="{F76B7170-15FD-7A81-A822-3A3CF6C1E7A6}"/>
+          <p:cNvPr id="5" name="Content Placeholder 4" descr="A black background with many lines&#10;&#10;Description automatically generated">
+            <a:extLst>
+              <a:ext uri="{FF2B5EF4-FFF2-40B4-BE49-F238E27FC236}">
+                <a16:creationId xmlns:a16="http://schemas.microsoft.com/office/drawing/2014/main" id="{72076480-2188-AE71-B6F0-ED6EDC8AB0F6}"/>
               </a:ext>
             </a:extLst>
           </p:cNvPr>
           <p:cNvPicPr>
-            <a:picLocks noChangeAspect="1"/>
+            <a:picLocks noGrp="1" noChangeAspect="1"/>
           </p:cNvPicPr>
-          <p:nvPr/>
+          <p:nvPr>
+            <p:ph idx="1"/>
+          </p:nvPr>
         </p:nvPicPr>
         <p:blipFill>
           <a:blip r:embed="rId2"/>
@@ -4851,94 +5089,59 @@
         </p:blipFill>
         <p:spPr>
           <a:xfrm>
-            <a:off x="6081053" y="1138236"/>
-            <a:ext cx="6110947" cy="5719763"/>
+            <a:off x="234778" y="441690"/>
+            <a:ext cx="11646273" cy="6229544"/>
+          </a:xfrm>
+        </p:spPr>
+      </p:pic>
+      <p:sp>
+        <p:nvSpPr>
+          <p:cNvPr id="6" name="TextBox 5">
+            <a:extLst>
+              <a:ext uri="{FF2B5EF4-FFF2-40B4-BE49-F238E27FC236}">
+                <a16:creationId xmlns:a16="http://schemas.microsoft.com/office/drawing/2014/main" id="{92FE46A7-D0B5-572D-C7A3-36B0C19A8F68}"/>
+              </a:ext>
+            </a:extLst>
+          </p:cNvPr>
+          <p:cNvSpPr txBox="1"/>
+          <p:nvPr/>
+        </p:nvSpPr>
+        <p:spPr>
+          <a:xfrm>
+            <a:off x="407773" y="1415"/>
+            <a:ext cx="2844690" cy="923330"/>
           </a:xfrm>
           <a:prstGeom prst="rect">
             <a:avLst/>
           </a:prstGeom>
-        </p:spPr>
-      </p:pic>
-      <p:pic>
-        <p:nvPicPr>
-          <p:cNvPr id="7" name="Picture 6">
-            <a:extLst>
-              <a:ext uri="{FF2B5EF4-FFF2-40B4-BE49-F238E27FC236}">
-                <a16:creationId xmlns:a16="http://schemas.microsoft.com/office/drawing/2014/main" id="{B9B66483-04D7-0E14-23B6-B2D5ED5A5643}"/>
-              </a:ext>
-            </a:extLst>
-          </p:cNvPr>
-          <p:cNvPicPr>
-            <a:picLocks noChangeAspect="1"/>
-          </p:cNvPicPr>
-          <p:nvPr/>
-        </p:nvPicPr>
-        <p:blipFill>
-          <a:blip r:embed="rId3"/>
-          <a:stretch>
-            <a:fillRect/>
-          </a:stretch>
-        </p:blipFill>
-        <p:spPr>
-          <a:xfrm>
-            <a:off x="-29894" y="1138237"/>
-            <a:ext cx="6110947" cy="5719763"/>
-          </a:xfrm>
-          <a:prstGeom prst="rect">
-            <a:avLst/>
-          </a:prstGeom>
-        </p:spPr>
-      </p:pic>
-      <p:sp>
-        <p:nvSpPr>
-          <p:cNvPr id="8" name="Title 1">
-            <a:extLst>
-              <a:ext uri="{FF2B5EF4-FFF2-40B4-BE49-F238E27FC236}">
-                <a16:creationId xmlns:a16="http://schemas.microsoft.com/office/drawing/2014/main" id="{4DEFF46F-5C0C-73FC-278D-50BA2E0C20A2}"/>
-              </a:ext>
-            </a:extLst>
-          </p:cNvPr>
-          <p:cNvSpPr txBox="1">
-            <a:spLocks/>
-          </p:cNvSpPr>
-          <p:nvPr/>
-        </p:nvSpPr>
-        <p:spPr>
-          <a:xfrm>
-            <a:off x="706821" y="203271"/>
-            <a:ext cx="10515600" cy="1325563"/>
-          </a:xfrm>
-          <a:prstGeom prst="rect">
-            <a:avLst/>
-          </a:prstGeom>
-        </p:spPr>
-        <p:txBody>
-          <a:bodyPr vert="horz" lIns="91440" tIns="45720" rIns="91440" bIns="45720" rtlCol="0" anchor="ctr">
-            <a:normAutofit/>
+          <a:noFill/>
+        </p:spPr>
+        <p:txBody>
+          <a:bodyPr wrap="none" rtlCol="0">
+            <a:spAutoFit/>
           </a:bodyPr>
-          <a:lstStyle>
-            <a:lvl1pPr algn="l" defTabSz="914400" rtl="0" eaLnBrk="1" latinLnBrk="0" hangingPunct="1">
-              <a:lnSpc>
-                <a:spcPct val="90000"/>
-              </a:lnSpc>
-              <a:spcBef>
-                <a:spcPct val="0"/>
-              </a:spcBef>
-              <a:buNone/>
-              <a:defRPr sz="4400" kern="1200">
-                <a:solidFill>
-                  <a:schemeClr val="tx1"/>
-                </a:solidFill>
-                <a:latin typeface="+mj-lt"/>
-                <a:ea typeface="+mj-ea"/>
-                <a:cs typeface="+mj-cs"/>
-              </a:defRPr>
-            </a:lvl1pPr>
-          </a:lstStyle>
+          <a:lstStyle/>
           <a:p>
             <a:r>
               <a:rPr lang="en-US" dirty="0"/>
-              <a:t>Aciurina K</a:t>
+              <a:t>Events: </a:t>
+            </a:r>
+          </a:p>
+          <a:p>
+            <a:r>
+              <a:rPr lang="en-US" dirty="0"/>
+              <a:t>12 </a:t>
+            </a:r>
+            <a:r>
+              <a:rPr lang="en-US" dirty="0" err="1"/>
+              <a:t>cospeciation</a:t>
+            </a:r>
+            <a:endParaRPr lang="en-US" dirty="0"/>
+          </a:p>
+          <a:p>
+            <a:r>
+              <a:rPr lang="en-US" dirty="0"/>
+              <a:t>13 duplication &amp; host switch</a:t>
             </a:r>
           </a:p>
         </p:txBody>
@@ -4946,7 +5149,7 @@
     </p:spTree>
     <p:extLst>
       <p:ext uri="{BB962C8B-B14F-4D97-AF65-F5344CB8AC3E}">
-        <p14:creationId xmlns:p14="http://schemas.microsoft.com/office/powerpoint/2010/main" val="3932747180"/>
+        <p14:creationId xmlns:p14="http://schemas.microsoft.com/office/powerpoint/2010/main" val="3036975723"/>
       </p:ext>
     </p:extLst>
   </p:cSld>
@@ -4973,44 +5176,21 @@
           <a:chExt cx="0" cy="0"/>
         </a:xfrm>
       </p:grpSpPr>
-      <p:sp>
-        <p:nvSpPr>
-          <p:cNvPr id="3" name="Content Placeholder 2">
-            <a:extLst>
-              <a:ext uri="{FF2B5EF4-FFF2-40B4-BE49-F238E27FC236}">
-                <a16:creationId xmlns:a16="http://schemas.microsoft.com/office/drawing/2014/main" id="{BE447F22-8C91-8FE5-B4C4-236D82DAA10E}"/>
-              </a:ext>
-            </a:extLst>
-          </p:cNvPr>
-          <p:cNvSpPr>
-            <a:spLocks noGrp="1"/>
-          </p:cNvSpPr>
-          <p:nvPr>
-            <p:ph idx="1"/>
-          </p:nvPr>
-        </p:nvSpPr>
-        <p:spPr/>
-        <p:txBody>
-          <a:bodyPr/>
-          <a:lstStyle/>
-          <a:p>
-            <a:endParaRPr lang="en-US"/>
-          </a:p>
-        </p:txBody>
-      </p:sp>
       <p:pic>
         <p:nvPicPr>
-          <p:cNvPr id="5" name="Picture 4">
-            <a:extLst>
-              <a:ext uri="{FF2B5EF4-FFF2-40B4-BE49-F238E27FC236}">
-                <a16:creationId xmlns:a16="http://schemas.microsoft.com/office/drawing/2014/main" id="{5FA026C9-4C9D-61BD-171F-3CF1B2F19D49}"/>
+          <p:cNvPr id="21" name="Content Placeholder 20">
+            <a:extLst>
+              <a:ext uri="{FF2B5EF4-FFF2-40B4-BE49-F238E27FC236}">
+                <a16:creationId xmlns:a16="http://schemas.microsoft.com/office/drawing/2014/main" id="{055EC564-7EB9-4BD1-518D-DA725796E412}"/>
               </a:ext>
             </a:extLst>
           </p:cNvPr>
           <p:cNvPicPr>
-            <a:picLocks noChangeAspect="1"/>
+            <a:picLocks noGrp="1" noChangeAspect="1"/>
           </p:cNvPicPr>
-          <p:nvPr/>
+          <p:nvPr>
+            <p:ph idx="1"/>
+          </p:nvPr>
         </p:nvPicPr>
         <p:blipFill>
           <a:blip r:embed="rId2"/>
@@ -5020,20 +5200,71 @@
         </p:blipFill>
         <p:spPr>
           <a:xfrm>
-            <a:off x="61785" y="1227591"/>
-            <a:ext cx="5943600" cy="5563128"/>
+            <a:off x="5082141" y="0"/>
+            <a:ext cx="7109859" cy="6654729"/>
+          </a:xfrm>
+        </p:spPr>
+      </p:pic>
+      <p:sp>
+        <p:nvSpPr>
+          <p:cNvPr id="22" name="Title 1">
+            <a:extLst>
+              <a:ext uri="{FF2B5EF4-FFF2-40B4-BE49-F238E27FC236}">
+                <a16:creationId xmlns:a16="http://schemas.microsoft.com/office/drawing/2014/main" id="{AA6BDB1F-18FC-46FC-6ED8-243F39FF55A0}"/>
+              </a:ext>
+            </a:extLst>
+          </p:cNvPr>
+          <p:cNvSpPr txBox="1">
+            <a:spLocks/>
+          </p:cNvSpPr>
+          <p:nvPr/>
+        </p:nvSpPr>
+        <p:spPr>
+          <a:xfrm>
+            <a:off x="706821" y="203271"/>
+            <a:ext cx="10515600" cy="1325563"/>
           </a:xfrm>
           <a:prstGeom prst="rect">
             <a:avLst/>
           </a:prstGeom>
         </p:spPr>
-      </p:pic>
+        <p:txBody>
+          <a:bodyPr vert="horz" lIns="91440" tIns="45720" rIns="91440" bIns="45720" rtlCol="0" anchor="ctr">
+            <a:normAutofit/>
+          </a:bodyPr>
+          <a:lstStyle>
+            <a:lvl1pPr algn="l" defTabSz="914400" rtl="0" eaLnBrk="1" latinLnBrk="0" hangingPunct="1">
+              <a:lnSpc>
+                <a:spcPct val="90000"/>
+              </a:lnSpc>
+              <a:spcBef>
+                <a:spcPct val="0"/>
+              </a:spcBef>
+              <a:buNone/>
+              <a:defRPr sz="4400" kern="1200">
+                <a:solidFill>
+                  <a:schemeClr val="tx1"/>
+                </a:solidFill>
+                <a:latin typeface="+mj-lt"/>
+                <a:ea typeface="+mj-ea"/>
+                <a:cs typeface="+mj-cs"/>
+              </a:defRPr>
+            </a:lvl1pPr>
+          </a:lstStyle>
+          <a:p>
+            <a:r>
+              <a:rPr lang="en-US" dirty="0"/>
+              <a:t>Aciurina K</a:t>
+            </a:r>
+          </a:p>
+        </p:txBody>
+      </p:sp>
       <p:pic>
         <p:nvPicPr>
-          <p:cNvPr id="6" name="Picture 5">
-            <a:extLst>
-              <a:ext uri="{FF2B5EF4-FFF2-40B4-BE49-F238E27FC236}">
-                <a16:creationId xmlns:a16="http://schemas.microsoft.com/office/drawing/2014/main" id="{76A18C09-74C6-FC7D-6933-AD03B5561067}"/>
+          <p:cNvPr id="25" name="Picture 24">
+            <a:extLst>
+              <a:ext uri="{FF2B5EF4-FFF2-40B4-BE49-F238E27FC236}">
+                <a16:creationId xmlns:a16="http://schemas.microsoft.com/office/drawing/2014/main" id="{EB9672D6-5C2D-85FE-7366-E5151C779A6B}"/>
               </a:ext>
             </a:extLst>
           </p:cNvPr>
@@ -5050,72 +5281,18 @@
         </p:blipFill>
         <p:spPr>
           <a:xfrm>
-            <a:off x="6157785" y="1227591"/>
-            <a:ext cx="5943600" cy="5563128"/>
+            <a:off x="157849" y="1124465"/>
+            <a:ext cx="4924292" cy="4609070"/>
           </a:xfrm>
           <a:prstGeom prst="rect">
             <a:avLst/>
           </a:prstGeom>
         </p:spPr>
       </p:pic>
-      <p:sp>
-        <p:nvSpPr>
-          <p:cNvPr id="7" name="Title 1">
-            <a:extLst>
-              <a:ext uri="{FF2B5EF4-FFF2-40B4-BE49-F238E27FC236}">
-                <a16:creationId xmlns:a16="http://schemas.microsoft.com/office/drawing/2014/main" id="{E9DA52DC-94A8-7CCE-774A-7AF28FBD588A}"/>
-              </a:ext>
-            </a:extLst>
-          </p:cNvPr>
-          <p:cNvSpPr txBox="1">
-            <a:spLocks/>
-          </p:cNvSpPr>
-          <p:nvPr/>
-        </p:nvSpPr>
-        <p:spPr>
-          <a:xfrm>
-            <a:off x="706821" y="203271"/>
-            <a:ext cx="10515600" cy="1325563"/>
-          </a:xfrm>
-          <a:prstGeom prst="rect">
-            <a:avLst/>
-          </a:prstGeom>
-        </p:spPr>
-        <p:txBody>
-          <a:bodyPr vert="horz" lIns="91440" tIns="45720" rIns="91440" bIns="45720" rtlCol="0" anchor="ctr">
-            <a:normAutofit/>
-          </a:bodyPr>
-          <a:lstStyle>
-            <a:lvl1pPr algn="l" defTabSz="914400" rtl="0" eaLnBrk="1" latinLnBrk="0" hangingPunct="1">
-              <a:lnSpc>
-                <a:spcPct val="90000"/>
-              </a:lnSpc>
-              <a:spcBef>
-                <a:spcPct val="0"/>
-              </a:spcBef>
-              <a:buNone/>
-              <a:defRPr sz="4400" kern="1200">
-                <a:solidFill>
-                  <a:schemeClr val="tx1"/>
-                </a:solidFill>
-                <a:latin typeface="+mj-lt"/>
-                <a:ea typeface="+mj-ea"/>
-                <a:cs typeface="+mj-cs"/>
-              </a:defRPr>
-            </a:lvl1pPr>
-          </a:lstStyle>
-          <a:p>
-            <a:r>
-              <a:rPr lang="en-US" dirty="0"/>
-              <a:t>Aciurina K</a:t>
-            </a:r>
-          </a:p>
-        </p:txBody>
-      </p:sp>
     </p:spTree>
     <p:extLst>
       <p:ext uri="{BB962C8B-B14F-4D97-AF65-F5344CB8AC3E}">
-        <p14:creationId xmlns:p14="http://schemas.microsoft.com/office/powerpoint/2010/main" val="1782707582"/>
+        <p14:creationId xmlns:p14="http://schemas.microsoft.com/office/powerpoint/2010/main" val="2718434741"/>
       </p:ext>
     </p:extLst>
   </p:cSld>
@@ -5147,7 +5324,7 @@
           <p:cNvPr id="3" name="Content Placeholder 2">
             <a:extLst>
               <a:ext uri="{FF2B5EF4-FFF2-40B4-BE49-F238E27FC236}">
-                <a16:creationId xmlns:a16="http://schemas.microsoft.com/office/drawing/2014/main" id="{B2B6BD9B-3E93-C163-4754-023364ECF8CD}"/>
+                <a16:creationId xmlns:a16="http://schemas.microsoft.com/office/drawing/2014/main" id="{A6973D2C-4656-D4A6-EBCA-AE9ED054CC1D}"/>
               </a:ext>
             </a:extLst>
           </p:cNvPr>
@@ -5169,10 +5346,10 @@
       </p:sp>
       <p:pic>
         <p:nvPicPr>
-          <p:cNvPr id="4" name="Picture 3">
-            <a:extLst>
-              <a:ext uri="{FF2B5EF4-FFF2-40B4-BE49-F238E27FC236}">
-                <a16:creationId xmlns:a16="http://schemas.microsoft.com/office/drawing/2014/main" id="{B3E11489-83A0-168C-90BB-D9A4980B6311}"/>
+          <p:cNvPr id="5" name="Picture 4">
+            <a:extLst>
+              <a:ext uri="{FF2B5EF4-FFF2-40B4-BE49-F238E27FC236}">
+                <a16:creationId xmlns:a16="http://schemas.microsoft.com/office/drawing/2014/main" id="{F76B7170-15FD-7A81-A822-3A3CF6C1E7A6}"/>
               </a:ext>
             </a:extLst>
           </p:cNvPr>
@@ -5189,8 +5366,8 @@
         </p:blipFill>
         <p:spPr>
           <a:xfrm>
-            <a:off x="6121276" y="1134150"/>
-            <a:ext cx="6121274" cy="5729429"/>
+            <a:off x="6081053" y="1138236"/>
+            <a:ext cx="6110947" cy="5719763"/>
           </a:xfrm>
           <a:prstGeom prst="rect">
             <a:avLst/>
@@ -5199,10 +5376,10 @@
       </p:pic>
       <p:pic>
         <p:nvPicPr>
-          <p:cNvPr id="5" name="Picture 4">
-            <a:extLst>
-              <a:ext uri="{FF2B5EF4-FFF2-40B4-BE49-F238E27FC236}">
-                <a16:creationId xmlns:a16="http://schemas.microsoft.com/office/drawing/2014/main" id="{C0D35C05-600F-780A-D577-3A50A533E4F1}"/>
+          <p:cNvPr id="7" name="Picture 6">
+            <a:extLst>
+              <a:ext uri="{FF2B5EF4-FFF2-40B4-BE49-F238E27FC236}">
+                <a16:creationId xmlns:a16="http://schemas.microsoft.com/office/drawing/2014/main" id="{B9B66483-04D7-0E14-23B6-B2D5ED5A5643}"/>
               </a:ext>
             </a:extLst>
           </p:cNvPr>
@@ -5219,8 +5396,8 @@
         </p:blipFill>
         <p:spPr>
           <a:xfrm>
-            <a:off x="-50548" y="1134150"/>
-            <a:ext cx="6121274" cy="5729429"/>
+            <a:off x="-29894" y="1138237"/>
+            <a:ext cx="6110947" cy="5719763"/>
           </a:xfrm>
           <a:prstGeom prst="rect">
             <a:avLst/>
@@ -5229,10 +5406,10 @@
       </p:pic>
       <p:sp>
         <p:nvSpPr>
-          <p:cNvPr id="10" name="Title 1">
-            <a:extLst>
-              <a:ext uri="{FF2B5EF4-FFF2-40B4-BE49-F238E27FC236}">
-                <a16:creationId xmlns:a16="http://schemas.microsoft.com/office/drawing/2014/main" id="{E6032162-CEFA-EC1F-6AEC-0D7413D97CCD}"/>
+          <p:cNvPr id="8" name="Title 1">
+            <a:extLst>
+              <a:ext uri="{FF2B5EF4-FFF2-40B4-BE49-F238E27FC236}">
+                <a16:creationId xmlns:a16="http://schemas.microsoft.com/office/drawing/2014/main" id="{4DEFF46F-5C0C-73FC-278D-50BA2E0C20A2}"/>
               </a:ext>
             </a:extLst>
           </p:cNvPr>
@@ -5284,7 +5461,7 @@
     </p:spTree>
     <p:extLst>
       <p:ext uri="{BB962C8B-B14F-4D97-AF65-F5344CB8AC3E}">
-        <p14:creationId xmlns:p14="http://schemas.microsoft.com/office/powerpoint/2010/main" val="807956994"/>
+        <p14:creationId xmlns:p14="http://schemas.microsoft.com/office/powerpoint/2010/main" val="3932747180"/>
       </p:ext>
     </p:extLst>
   </p:cSld>
